--- a/Micro Orm/Micro ORM.pptx
+++ b/Micro Orm/Micro ORM.pptx
@@ -13,6 +13,12 @@
     <p:sldId id="261" r:id="rId7"/>
     <p:sldId id="262" r:id="rId8"/>
     <p:sldId id="263" r:id="rId9"/>
+    <p:sldId id="264" r:id="rId10"/>
+    <p:sldId id="265" r:id="rId11"/>
+    <p:sldId id="266" r:id="rId12"/>
+    <p:sldId id="267" r:id="rId13"/>
+    <p:sldId id="268" r:id="rId14"/>
+    <p:sldId id="269" r:id="rId15"/>
   </p:sldIdLst>
   <p:sldSz cx="12192000" cy="6858000"/>
   <p:notesSz cx="6858000" cy="9144000"/>
@@ -5786,6 +5792,696 @@
 </p:sld>
 </file>
 
+<file path=ppt/slides/slide10.xml><?xml version="1.0" encoding="utf-8"?>
+<p:sld xmlns:a="http://schemas.openxmlformats.org/drawingml/2006/main" xmlns:r="http://schemas.openxmlformats.org/officeDocument/2006/relationships" xmlns:p="http://schemas.openxmlformats.org/presentationml/2006/main">
+  <p:cSld>
+    <p:spTree>
+      <p:nvGrpSpPr>
+        <p:cNvPr id="1" name=""/>
+        <p:cNvGrpSpPr/>
+        <p:nvPr/>
+      </p:nvGrpSpPr>
+      <p:grpSpPr>
+        <a:xfrm>
+          <a:off x="0" y="0"/>
+          <a:ext cx="0" cy="0"/>
+          <a:chOff x="0" y="0"/>
+          <a:chExt cx="0" cy="0"/>
+        </a:xfrm>
+      </p:grpSpPr>
+      <p:sp>
+        <p:nvSpPr>
+          <p:cNvPr id="2" name="Title 1"/>
+          <p:cNvSpPr>
+            <a:spLocks noGrp="1"/>
+          </p:cNvSpPr>
+          <p:nvPr>
+            <p:ph type="title"/>
+          </p:nvPr>
+        </p:nvSpPr>
+        <p:spPr/>
+        <p:txBody>
+          <a:bodyPr/>
+          <a:lstStyle/>
+          <a:p>
+            <a:r>
+              <a:rPr lang="en-US" dirty="0" smtClean="0"/>
+              <a:t>Supported Databases</a:t>
+            </a:r>
+            <a:endParaRPr lang="en-US" dirty="0"/>
+          </a:p>
+        </p:txBody>
+      </p:sp>
+      <p:sp>
+        <p:nvSpPr>
+          <p:cNvPr id="3" name="Content Placeholder 2"/>
+          <p:cNvSpPr>
+            <a:spLocks noGrp="1"/>
+          </p:cNvSpPr>
+          <p:nvPr>
+            <p:ph idx="1"/>
+          </p:nvPr>
+        </p:nvSpPr>
+        <p:spPr/>
+        <p:txBody>
+          <a:bodyPr/>
+          <a:lstStyle/>
+          <a:p>
+            <a:r>
+              <a:rPr lang="en-US" dirty="0" smtClean="0"/>
+              <a:t>SQL Server 2005 and later</a:t>
+            </a:r>
+          </a:p>
+          <a:p>
+            <a:r>
+              <a:rPr lang="en-US" dirty="0" smtClean="0"/>
+              <a:t>Oracle</a:t>
+            </a:r>
+          </a:p>
+          <a:p>
+            <a:r>
+              <a:rPr lang="en-US" dirty="0" err="1" smtClean="0"/>
+              <a:t>MySql</a:t>
+            </a:r>
+            <a:r>
+              <a:rPr lang="en-US" dirty="0" smtClean="0"/>
+              <a:t> 4.0 and later</a:t>
+            </a:r>
+          </a:p>
+          <a:p>
+            <a:r>
+              <a:rPr lang="en-US" dirty="0" smtClean="0"/>
+              <a:t>PostgreSQL</a:t>
+            </a:r>
+          </a:p>
+          <a:p>
+            <a:r>
+              <a:rPr lang="en-US" dirty="0" smtClean="0"/>
+              <a:t>Microsoft Access</a:t>
+            </a:r>
+          </a:p>
+          <a:p>
+            <a:r>
+              <a:rPr lang="en-US" dirty="0" err="1" smtClean="0"/>
+              <a:t>MOngoDb</a:t>
+            </a:r>
+            <a:endParaRPr lang="en-US" dirty="0"/>
+          </a:p>
+        </p:txBody>
+      </p:sp>
+    </p:spTree>
+    <p:extLst>
+      <p:ext uri="{BB962C8B-B14F-4D97-AF65-F5344CB8AC3E}">
+        <p14:creationId xmlns:p14="http://schemas.microsoft.com/office/powerpoint/2010/main" val="1078924069"/>
+      </p:ext>
+    </p:extLst>
+  </p:cSld>
+  <p:clrMapOvr>
+    <a:masterClrMapping/>
+  </p:clrMapOvr>
+</p:sld>
+</file>
+
+<file path=ppt/slides/slide11.xml><?xml version="1.0" encoding="utf-8"?>
+<p:sld xmlns:a="http://schemas.openxmlformats.org/drawingml/2006/main" xmlns:r="http://schemas.openxmlformats.org/officeDocument/2006/relationships" xmlns:p="http://schemas.openxmlformats.org/presentationml/2006/main">
+  <p:cSld>
+    <p:spTree>
+      <p:nvGrpSpPr>
+        <p:cNvPr id="1" name=""/>
+        <p:cNvGrpSpPr/>
+        <p:nvPr/>
+      </p:nvGrpSpPr>
+      <p:grpSpPr>
+        <a:xfrm>
+          <a:off x="0" y="0"/>
+          <a:ext cx="0" cy="0"/>
+          <a:chOff x="0" y="0"/>
+          <a:chExt cx="0" cy="0"/>
+        </a:xfrm>
+      </p:grpSpPr>
+      <p:sp>
+        <p:nvSpPr>
+          <p:cNvPr id="2" name="Title 1"/>
+          <p:cNvSpPr>
+            <a:spLocks noGrp="1"/>
+          </p:cNvSpPr>
+          <p:nvPr>
+            <p:ph type="title"/>
+          </p:nvPr>
+        </p:nvSpPr>
+        <p:spPr/>
+        <p:txBody>
+          <a:bodyPr>
+            <a:normAutofit/>
+          </a:bodyPr>
+          <a:lstStyle/>
+          <a:p>
+            <a:r>
+              <a:rPr lang="en-US" dirty="0"/>
+              <a:t>Requirements and </a:t>
+            </a:r>
+            <a:r>
+              <a:rPr lang="en-US" dirty="0" err="1" smtClean="0"/>
+              <a:t>Depedencies</a:t>
+            </a:r>
+            <a:endParaRPr lang="en-US" dirty="0"/>
+          </a:p>
+        </p:txBody>
+      </p:sp>
+      <p:sp>
+        <p:nvSpPr>
+          <p:cNvPr id="3" name="Content Placeholder 2"/>
+          <p:cNvSpPr>
+            <a:spLocks noGrp="1"/>
+          </p:cNvSpPr>
+          <p:nvPr>
+            <p:ph idx="1"/>
+          </p:nvPr>
+        </p:nvSpPr>
+        <p:spPr/>
+        <p:txBody>
+          <a:bodyPr/>
+          <a:lstStyle/>
+          <a:p>
+            <a:r>
+              <a:rPr lang="en-US" dirty="0" smtClean="0"/>
+              <a:t>Requirements:</a:t>
+            </a:r>
+            <a:br>
+              <a:rPr lang="en-US" dirty="0" smtClean="0"/>
+            </a:br>
+            <a:r>
+              <a:rPr lang="en-US" dirty="0"/>
+              <a:t>v4.0 or greater of the .NET framework, </a:t>
+            </a:r>
+            <a:r>
+              <a:rPr lang="en-US" dirty="0" smtClean="0"/>
+              <a:t>or</a:t>
+            </a:r>
+            <a:br>
+              <a:rPr lang="en-US" dirty="0" smtClean="0"/>
+            </a:br>
+            <a:r>
+              <a:rPr lang="en-US" dirty="0" smtClean="0"/>
+              <a:t>v2.10 </a:t>
+            </a:r>
+            <a:r>
+              <a:rPr lang="en-US" dirty="0"/>
+              <a:t>or greater of the Mono framework</a:t>
+            </a:r>
+          </a:p>
+          <a:p>
+            <a:endParaRPr lang="en-US" dirty="0" smtClean="0"/>
+          </a:p>
+          <a:p>
+            <a:r>
+              <a:rPr lang="en-US" dirty="0" smtClean="0"/>
+              <a:t>Dependencies</a:t>
+            </a:r>
+            <a:br>
+              <a:rPr lang="en-US" dirty="0" smtClean="0"/>
+            </a:br>
+            <a:r>
+              <a:rPr lang="pt-BR" dirty="0" smtClean="0"/>
+              <a:t>Simple.Data.Core</a:t>
+            </a:r>
+            <a:br>
+              <a:rPr lang="pt-BR" dirty="0" smtClean="0"/>
+            </a:br>
+            <a:r>
+              <a:rPr lang="pt-BR" dirty="0" smtClean="0"/>
+              <a:t>A </a:t>
+            </a:r>
+            <a:r>
+              <a:rPr lang="pt-BR" dirty="0"/>
+              <a:t>Simple.Data </a:t>
+            </a:r>
+            <a:r>
+              <a:rPr lang="pt-BR" dirty="0" smtClean="0"/>
+              <a:t>adaptor</a:t>
+            </a:r>
+            <a:br>
+              <a:rPr lang="pt-BR" dirty="0" smtClean="0"/>
+            </a:br>
+            <a:r>
+              <a:rPr lang="pt-BR" dirty="0" smtClean="0"/>
+              <a:t>A </a:t>
+            </a:r>
+            <a:r>
+              <a:rPr lang="pt-BR" dirty="0"/>
+              <a:t>Simple.Data provider (as appropriate)</a:t>
+            </a:r>
+          </a:p>
+          <a:p>
+            <a:endParaRPr lang="en-US" dirty="0" smtClean="0"/>
+          </a:p>
+        </p:txBody>
+      </p:sp>
+    </p:spTree>
+    <p:extLst>
+      <p:ext uri="{BB962C8B-B14F-4D97-AF65-F5344CB8AC3E}">
+        <p14:creationId xmlns:p14="http://schemas.microsoft.com/office/powerpoint/2010/main" val="3498400422"/>
+      </p:ext>
+    </p:extLst>
+  </p:cSld>
+  <p:clrMapOvr>
+    <a:masterClrMapping/>
+  </p:clrMapOvr>
+</p:sld>
+</file>
+
+<file path=ppt/slides/slide12.xml><?xml version="1.0" encoding="utf-8"?>
+<p:sld xmlns:a="http://schemas.openxmlformats.org/drawingml/2006/main" xmlns:r="http://schemas.openxmlformats.org/officeDocument/2006/relationships" xmlns:p="http://schemas.openxmlformats.org/presentationml/2006/main">
+  <p:cSld>
+    <p:spTree>
+      <p:nvGrpSpPr>
+        <p:cNvPr id="1" name=""/>
+        <p:cNvGrpSpPr/>
+        <p:nvPr/>
+      </p:nvGrpSpPr>
+      <p:grpSpPr>
+        <a:xfrm>
+          <a:off x="0" y="0"/>
+          <a:ext cx="0" cy="0"/>
+          <a:chOff x="0" y="0"/>
+          <a:chExt cx="0" cy="0"/>
+        </a:xfrm>
+      </p:grpSpPr>
+      <p:sp>
+        <p:nvSpPr>
+          <p:cNvPr id="2" name="Title 1"/>
+          <p:cNvSpPr>
+            <a:spLocks noGrp="1"/>
+          </p:cNvSpPr>
+          <p:nvPr>
+            <p:ph type="title"/>
+          </p:nvPr>
+        </p:nvSpPr>
+        <p:spPr/>
+        <p:txBody>
+          <a:bodyPr/>
+          <a:lstStyle/>
+          <a:p>
+            <a:r>
+              <a:rPr lang="en-US" dirty="0" smtClean="0"/>
+              <a:t>Configuration</a:t>
+            </a:r>
+            <a:endParaRPr lang="en-US" dirty="0"/>
+          </a:p>
+        </p:txBody>
+      </p:sp>
+      <p:sp>
+        <p:nvSpPr>
+          <p:cNvPr id="3" name="Content Placeholder 2"/>
+          <p:cNvSpPr>
+            <a:spLocks noGrp="1"/>
+          </p:cNvSpPr>
+          <p:nvPr>
+            <p:ph idx="1"/>
+          </p:nvPr>
+        </p:nvSpPr>
+        <p:spPr/>
+        <p:txBody>
+          <a:bodyPr>
+            <a:normAutofit/>
+          </a:bodyPr>
+          <a:lstStyle/>
+          <a:p>
+            <a:r>
+              <a:rPr lang="en-US" dirty="0"/>
+              <a:t>Default:</a:t>
+            </a:r>
+            <a:br>
+              <a:rPr lang="en-US" dirty="0"/>
+            </a:br>
+            <a:r>
+              <a:rPr lang="en-US" sz="1400" dirty="0" smtClean="0"/>
+              <a:t>&lt;</a:t>
+            </a:r>
+            <a:r>
+              <a:rPr lang="en-US" sz="1400" dirty="0"/>
+              <a:t>configuration</a:t>
+            </a:r>
+            <a:r>
+              <a:rPr lang="en-US" sz="1400" dirty="0" smtClean="0"/>
+              <a:t>&gt;</a:t>
+            </a:r>
+            <a:br>
+              <a:rPr lang="en-US" sz="1400" dirty="0" smtClean="0"/>
+            </a:br>
+            <a:r>
+              <a:rPr lang="en-US" sz="1400" dirty="0" smtClean="0"/>
+              <a:t>&lt;</a:t>
+            </a:r>
+            <a:r>
+              <a:rPr lang="en-US" sz="1400" dirty="0" err="1"/>
+              <a:t>connectionStrings</a:t>
+            </a:r>
+            <a:r>
+              <a:rPr lang="en-US" sz="1400" dirty="0" smtClean="0"/>
+              <a:t>&gt;</a:t>
+            </a:r>
+            <a:br>
+              <a:rPr lang="en-US" sz="1400" dirty="0" smtClean="0"/>
+            </a:br>
+            <a:r>
+              <a:rPr lang="en-US" sz="1400" dirty="0" smtClean="0"/>
+              <a:t>	&lt;add name</a:t>
+            </a:r>
+            <a:r>
+              <a:rPr lang="en-US" sz="1400" dirty="0"/>
+              <a:t>="</a:t>
+            </a:r>
+            <a:r>
+              <a:rPr lang="en-US" sz="1400" dirty="0" err="1" smtClean="0"/>
+              <a:t>Simple.Data.Properties.Settings.DefaultConnectionString</a:t>
+            </a:r>
+            <a:r>
+              <a:rPr lang="en-US" sz="1400" dirty="0" smtClean="0"/>
+              <a:t>“ </a:t>
+            </a:r>
+            <a:r>
+              <a:rPr lang="en-US" sz="1400" dirty="0" err="1" smtClean="0"/>
+              <a:t>connectionString</a:t>
+            </a:r>
+            <a:r>
+              <a:rPr lang="en-US" sz="1400" dirty="0"/>
+              <a:t>="--Your connection string--" </a:t>
+            </a:r>
+            <a:r>
+              <a:rPr lang="en-US" sz="1400" dirty="0" smtClean="0"/>
+              <a:t>/&gt;  </a:t>
+            </a:r>
+            <a:r>
+              <a:rPr lang="en-US" sz="1400" dirty="0"/>
+              <a:t>&lt;/</a:t>
+            </a:r>
+            <a:r>
+              <a:rPr lang="en-US" sz="1400" dirty="0" err="1"/>
+              <a:t>connectionStrings</a:t>
+            </a:r>
+            <a:r>
+              <a:rPr lang="en-US" sz="1400" dirty="0" smtClean="0"/>
+              <a:t>&gt;</a:t>
+            </a:r>
+            <a:br>
+              <a:rPr lang="en-US" sz="1400" dirty="0" smtClean="0"/>
+            </a:br>
+            <a:r>
+              <a:rPr lang="en-US" sz="1400" dirty="0" smtClean="0"/>
+              <a:t>&lt;/</a:t>
+            </a:r>
+            <a:r>
+              <a:rPr lang="en-US" sz="1400" dirty="0"/>
+              <a:t>configuration</a:t>
+            </a:r>
+            <a:r>
+              <a:rPr lang="en-US" sz="1400" dirty="0" smtClean="0"/>
+              <a:t>&gt;&gt;</a:t>
+            </a:r>
+          </a:p>
+          <a:p>
+            <a:r>
+              <a:rPr lang="en-US" dirty="0" smtClean="0"/>
+              <a:t>Named:</a:t>
+            </a:r>
+            <a:r>
+              <a:rPr lang="en-US" dirty="0"/>
+              <a:t/>
+            </a:r>
+            <a:br>
+              <a:rPr lang="en-US" dirty="0"/>
+            </a:br>
+            <a:r>
+              <a:rPr lang="en-US" sz="1500" dirty="0"/>
+              <a:t>&lt;configuration</a:t>
+            </a:r>
+            <a:r>
+              <a:rPr lang="en-US" sz="1500" dirty="0" smtClean="0"/>
+              <a:t>&gt;</a:t>
+            </a:r>
+            <a:br>
+              <a:rPr lang="en-US" sz="1500" dirty="0" smtClean="0"/>
+            </a:br>
+            <a:r>
+              <a:rPr lang="en-US" sz="1500" dirty="0" smtClean="0"/>
+              <a:t>&lt;</a:t>
+            </a:r>
+            <a:r>
+              <a:rPr lang="en-US" sz="1500" dirty="0" err="1"/>
+              <a:t>connectionStrings</a:t>
+            </a:r>
+            <a:r>
+              <a:rPr lang="en-US" sz="1500" dirty="0" smtClean="0"/>
+              <a:t>&gt;</a:t>
+            </a:r>
+            <a:br>
+              <a:rPr lang="en-US" sz="1500" dirty="0" smtClean="0"/>
+            </a:br>
+            <a:r>
+              <a:rPr lang="en-US" sz="1500" dirty="0" smtClean="0"/>
+              <a:t>	&lt;</a:t>
+            </a:r>
+            <a:r>
+              <a:rPr lang="en-US" sz="1500" dirty="0"/>
+              <a:t>add name="</a:t>
+            </a:r>
+            <a:r>
+              <a:rPr lang="en-US" sz="1500" dirty="0" err="1" smtClean="0"/>
+              <a:t>MvcMusicStoreDB</a:t>
+            </a:r>
+            <a:r>
+              <a:rPr lang="en-US" sz="1500" dirty="0" smtClean="0"/>
+              <a:t>“ </a:t>
+            </a:r>
+            <a:r>
+              <a:rPr lang="en-US" sz="1500" dirty="0" err="1" smtClean="0"/>
+              <a:t>connectionString</a:t>
+            </a:r>
+            <a:r>
+              <a:rPr lang="en-US" sz="1500" dirty="0"/>
+              <a:t>="--Your connection string" </a:t>
+            </a:r>
+            <a:r>
+              <a:rPr lang="en-US" sz="1500" dirty="0" smtClean="0"/>
+              <a:t>/&gt;</a:t>
+            </a:r>
+            <a:br>
+              <a:rPr lang="en-US" sz="1500" dirty="0" smtClean="0"/>
+            </a:br>
+            <a:r>
+              <a:rPr lang="en-US" sz="1500" dirty="0" smtClean="0"/>
+              <a:t>&lt;/</a:t>
+            </a:r>
+            <a:r>
+              <a:rPr lang="en-US" sz="1500" dirty="0" err="1"/>
+              <a:t>connectionStrings</a:t>
+            </a:r>
+            <a:r>
+              <a:rPr lang="en-US" sz="1500" dirty="0" smtClean="0"/>
+              <a:t>&gt;</a:t>
+            </a:r>
+            <a:br>
+              <a:rPr lang="en-US" sz="1500" dirty="0" smtClean="0"/>
+            </a:br>
+            <a:r>
+              <a:rPr lang="en-US" sz="1500" dirty="0" smtClean="0"/>
+              <a:t>&lt;/</a:t>
+            </a:r>
+            <a:r>
+              <a:rPr lang="en-US" sz="1500" dirty="0"/>
+              <a:t>configuration&gt;</a:t>
+            </a:r>
+            <a:r>
+              <a:rPr lang="en-US" sz="1500" dirty="0" smtClean="0"/>
+              <a:t/>
+            </a:r>
+            <a:br>
+              <a:rPr lang="en-US" sz="1500" dirty="0" smtClean="0"/>
+            </a:br>
+            <a:r>
+              <a:rPr lang="en-US" dirty="0" smtClean="0"/>
+              <a:t/>
+            </a:r>
+            <a:br>
+              <a:rPr lang="en-US" dirty="0" smtClean="0"/>
+            </a:br>
+            <a:endParaRPr lang="en-US" dirty="0"/>
+          </a:p>
+        </p:txBody>
+      </p:sp>
+    </p:spTree>
+    <p:extLst>
+      <p:ext uri="{BB962C8B-B14F-4D97-AF65-F5344CB8AC3E}">
+        <p14:creationId xmlns:p14="http://schemas.microsoft.com/office/powerpoint/2010/main" val="3442831356"/>
+      </p:ext>
+    </p:extLst>
+  </p:cSld>
+  <p:clrMapOvr>
+    <a:masterClrMapping/>
+  </p:clrMapOvr>
+</p:sld>
+</file>
+
+<file path=ppt/slides/slide13.xml><?xml version="1.0" encoding="utf-8"?>
+<p:sld xmlns:a="http://schemas.openxmlformats.org/drawingml/2006/main" xmlns:r="http://schemas.openxmlformats.org/officeDocument/2006/relationships" xmlns:p="http://schemas.openxmlformats.org/presentationml/2006/main">
+  <p:cSld>
+    <p:spTree>
+      <p:nvGrpSpPr>
+        <p:cNvPr id="1" name=""/>
+        <p:cNvGrpSpPr/>
+        <p:nvPr/>
+      </p:nvGrpSpPr>
+      <p:grpSpPr>
+        <a:xfrm>
+          <a:off x="0" y="0"/>
+          <a:ext cx="0" cy="0"/>
+          <a:chOff x="0" y="0"/>
+          <a:chExt cx="0" cy="0"/>
+        </a:xfrm>
+      </p:grpSpPr>
+      <p:sp>
+        <p:nvSpPr>
+          <p:cNvPr id="2" name="Title 1"/>
+          <p:cNvSpPr>
+            <a:spLocks noGrp="1"/>
+          </p:cNvSpPr>
+          <p:nvPr>
+            <p:ph type="title"/>
+          </p:nvPr>
+        </p:nvSpPr>
+        <p:spPr/>
+        <p:txBody>
+          <a:bodyPr/>
+          <a:lstStyle/>
+          <a:p>
+            <a:r>
+              <a:rPr lang="en-US" dirty="0" smtClean="0"/>
+              <a:t>Naming Conventions</a:t>
+            </a:r>
+            <a:endParaRPr lang="en-US" dirty="0"/>
+          </a:p>
+        </p:txBody>
+      </p:sp>
+      <p:pic>
+        <p:nvPicPr>
+          <p:cNvPr id="4" name="Content Placeholder 3"/>
+          <p:cNvPicPr>
+            <a:picLocks noGrp="1" noChangeAspect="1"/>
+          </p:cNvPicPr>
+          <p:nvPr>
+            <p:ph idx="1"/>
+          </p:nvPr>
+        </p:nvPicPr>
+        <p:blipFill>
+          <a:blip r:embed="rId2">
+            <a:extLst>
+              <a:ext uri="{28A0092B-C50C-407E-A947-70E740481C1C}">
+                <a14:useLocalDpi xmlns:a14="http://schemas.microsoft.com/office/drawing/2010/main" val="0"/>
+              </a:ext>
+            </a:extLst>
+          </a:blip>
+          <a:stretch>
+            <a:fillRect/>
+          </a:stretch>
+        </p:blipFill>
+        <p:spPr>
+          <a:xfrm>
+            <a:off x="2953259" y="2046699"/>
+            <a:ext cx="5409345" cy="3920132"/>
+          </a:xfrm>
+        </p:spPr>
+      </p:pic>
+    </p:spTree>
+    <p:extLst>
+      <p:ext uri="{BB962C8B-B14F-4D97-AF65-F5344CB8AC3E}">
+        <p14:creationId xmlns:p14="http://schemas.microsoft.com/office/powerpoint/2010/main" val="799813506"/>
+      </p:ext>
+    </p:extLst>
+  </p:cSld>
+  <p:clrMapOvr>
+    <a:masterClrMapping/>
+  </p:clrMapOvr>
+</p:sld>
+</file>
+
+<file path=ppt/slides/slide14.xml><?xml version="1.0" encoding="utf-8"?>
+<p:sld xmlns:a="http://schemas.openxmlformats.org/drawingml/2006/main" xmlns:r="http://schemas.openxmlformats.org/officeDocument/2006/relationships" xmlns:p="http://schemas.openxmlformats.org/presentationml/2006/main">
+  <p:cSld>
+    <p:spTree>
+      <p:nvGrpSpPr>
+        <p:cNvPr id="1" name=""/>
+        <p:cNvGrpSpPr/>
+        <p:nvPr/>
+      </p:nvGrpSpPr>
+      <p:grpSpPr>
+        <a:xfrm>
+          <a:off x="0" y="0"/>
+          <a:ext cx="0" cy="0"/>
+          <a:chOff x="0" y="0"/>
+          <a:chExt cx="0" cy="0"/>
+        </a:xfrm>
+      </p:grpSpPr>
+      <p:sp>
+        <p:nvSpPr>
+          <p:cNvPr id="2" name="Title 1"/>
+          <p:cNvSpPr>
+            <a:spLocks noGrp="1"/>
+          </p:cNvSpPr>
+          <p:nvPr>
+            <p:ph type="title"/>
+          </p:nvPr>
+        </p:nvSpPr>
+        <p:spPr>
+          <a:xfrm>
+            <a:off x="838200" y="3338512"/>
+            <a:ext cx="10515600" cy="1325563"/>
+          </a:xfrm>
+        </p:spPr>
+        <p:txBody>
+          <a:bodyPr/>
+          <a:lstStyle/>
+          <a:p>
+            <a:r>
+              <a:rPr lang="en-US" dirty="0" smtClean="0"/>
+              <a:t>Time for Demo</a:t>
+            </a:r>
+            <a:endParaRPr lang="en-US" dirty="0"/>
+          </a:p>
+        </p:txBody>
+      </p:sp>
+      <p:sp>
+        <p:nvSpPr>
+          <p:cNvPr id="3" name="Content Placeholder 2"/>
+          <p:cNvSpPr>
+            <a:spLocks noGrp="1"/>
+          </p:cNvSpPr>
+          <p:nvPr>
+            <p:ph idx="1"/>
+          </p:nvPr>
+        </p:nvSpPr>
+        <p:spPr/>
+        <p:txBody>
+          <a:bodyPr/>
+          <a:lstStyle/>
+          <a:p>
+            <a:endParaRPr lang="en-US" dirty="0"/>
+          </a:p>
+        </p:txBody>
+      </p:sp>
+    </p:spTree>
+    <p:extLst>
+      <p:ext uri="{BB962C8B-B14F-4D97-AF65-F5344CB8AC3E}">
+        <p14:creationId xmlns:p14="http://schemas.microsoft.com/office/powerpoint/2010/main" val="683698464"/>
+      </p:ext>
+    </p:extLst>
+  </p:cSld>
+  <p:clrMapOvr>
+    <a:masterClrMapping/>
+  </p:clrMapOvr>
+</p:sld>
+</file>
+
 <file path=ppt/slides/slide2.xml><?xml version="1.0" encoding="utf-8"?>
 <p:sld xmlns:a="http://schemas.openxmlformats.org/drawingml/2006/main" xmlns:r="http://schemas.openxmlformats.org/officeDocument/2006/relationships" xmlns:p="http://schemas.openxmlformats.org/presentationml/2006/main">
   <p:cSld>
@@ -6412,6 +7108,97 @@
     <p:extLst>
       <p:ext uri="{BB962C8B-B14F-4D97-AF65-F5344CB8AC3E}">
         <p14:creationId xmlns:p14="http://schemas.microsoft.com/office/powerpoint/2010/main" val="352546074"/>
+      </p:ext>
+    </p:extLst>
+  </p:cSld>
+  <p:clrMapOvr>
+    <a:masterClrMapping/>
+  </p:clrMapOvr>
+</p:sld>
+</file>
+
+<file path=ppt/slides/slide9.xml><?xml version="1.0" encoding="utf-8"?>
+<p:sld xmlns:a="http://schemas.openxmlformats.org/drawingml/2006/main" xmlns:r="http://schemas.openxmlformats.org/officeDocument/2006/relationships" xmlns:p="http://schemas.openxmlformats.org/presentationml/2006/main">
+  <p:cSld>
+    <p:spTree>
+      <p:nvGrpSpPr>
+        <p:cNvPr id="1" name=""/>
+        <p:cNvGrpSpPr/>
+        <p:nvPr/>
+      </p:nvGrpSpPr>
+      <p:grpSpPr>
+        <a:xfrm>
+          <a:off x="0" y="0"/>
+          <a:ext cx="0" cy="0"/>
+          <a:chOff x="0" y="0"/>
+          <a:chExt cx="0" cy="0"/>
+        </a:xfrm>
+      </p:grpSpPr>
+      <p:sp>
+        <p:nvSpPr>
+          <p:cNvPr id="2" name="Title 1"/>
+          <p:cNvSpPr>
+            <a:spLocks noGrp="1"/>
+          </p:cNvSpPr>
+          <p:nvPr>
+            <p:ph type="title"/>
+          </p:nvPr>
+        </p:nvSpPr>
+        <p:spPr/>
+        <p:txBody>
+          <a:bodyPr/>
+          <a:lstStyle/>
+          <a:p>
+            <a:r>
+              <a:rPr lang="en-US" dirty="0" err="1" smtClean="0"/>
+              <a:t>Simple.Data</a:t>
+            </a:r>
+            <a:endParaRPr lang="en-US" dirty="0"/>
+          </a:p>
+        </p:txBody>
+      </p:sp>
+      <p:sp>
+        <p:nvSpPr>
+          <p:cNvPr id="3" name="Content Placeholder 2"/>
+          <p:cNvSpPr>
+            <a:spLocks noGrp="1"/>
+          </p:cNvSpPr>
+          <p:nvPr>
+            <p:ph idx="1"/>
+          </p:nvPr>
+        </p:nvSpPr>
+        <p:spPr/>
+        <p:txBody>
+          <a:bodyPr/>
+          <a:lstStyle/>
+          <a:p>
+            <a:pPr marL="0" indent="0">
+              <a:buNone/>
+            </a:pPr>
+            <a:r>
+              <a:rPr lang="en-US" dirty="0" err="1"/>
+              <a:t>Simple.Data</a:t>
+            </a:r>
+            <a:r>
+              <a:rPr lang="en-US" dirty="0"/>
+              <a:t> is a lightweight framework that uses the dynamic features of .NET 4 to provide an expressive, ORM-</a:t>
+            </a:r>
+            <a:r>
+              <a:rPr lang="en-US" dirty="0" err="1"/>
+              <a:t>ish</a:t>
+            </a:r>
+            <a:r>
+              <a:rPr lang="en-US" dirty="0"/>
+              <a:t> way of accessing and manipulating data without any of the code pre-generation and boilerplate required by other frameworks. Instead, it interprets method and property names at runtime and maps them to your underlying data-store using a convention-based approach.</a:t>
+            </a:r>
+            <a:endParaRPr lang="en-US" dirty="0"/>
+          </a:p>
+        </p:txBody>
+      </p:sp>
+    </p:spTree>
+    <p:extLst>
+      <p:ext uri="{BB962C8B-B14F-4D97-AF65-F5344CB8AC3E}">
+        <p14:creationId xmlns:p14="http://schemas.microsoft.com/office/powerpoint/2010/main" val="2364435186"/>
       </p:ext>
     </p:extLst>
   </p:cSld>

--- a/Micro Orm/Micro ORM.pptx
+++ b/Micro Orm/Micro ORM.pptx
@@ -19,6 +19,8 @@
     <p:sldId id="267" r:id="rId13"/>
     <p:sldId id="268" r:id="rId14"/>
     <p:sldId id="269" r:id="rId15"/>
+    <p:sldId id="270" r:id="rId16"/>
+    <p:sldId id="271" r:id="rId17"/>
   </p:sldIdLst>
   <p:sldSz cx="12192000" cy="6858000"/>
   <p:notesSz cx="6858000" cy="9144000"/>
@@ -6482,6 +6484,180 @@
 </p:sld>
 </file>
 
+<file path=ppt/slides/slide15.xml><?xml version="1.0" encoding="utf-8"?>
+<p:sld xmlns:a="http://schemas.openxmlformats.org/drawingml/2006/main" xmlns:r="http://schemas.openxmlformats.org/officeDocument/2006/relationships" xmlns:p="http://schemas.openxmlformats.org/presentationml/2006/main">
+  <p:cSld>
+    <p:spTree>
+      <p:nvGrpSpPr>
+        <p:cNvPr id="1" name=""/>
+        <p:cNvGrpSpPr/>
+        <p:nvPr/>
+      </p:nvGrpSpPr>
+      <p:grpSpPr>
+        <a:xfrm>
+          <a:off x="0" y="0"/>
+          <a:ext cx="0" cy="0"/>
+          <a:chOff x="0" y="0"/>
+          <a:chExt cx="0" cy="0"/>
+        </a:xfrm>
+      </p:grpSpPr>
+      <p:sp>
+        <p:nvSpPr>
+          <p:cNvPr id="2" name="Title 1"/>
+          <p:cNvSpPr>
+            <a:spLocks noGrp="1"/>
+          </p:cNvSpPr>
+          <p:nvPr>
+            <p:ph type="title"/>
+          </p:nvPr>
+        </p:nvSpPr>
+        <p:spPr/>
+        <p:txBody>
+          <a:bodyPr/>
+          <a:lstStyle/>
+          <a:p>
+            <a:r>
+              <a:rPr lang="en-US" dirty="0" smtClean="0"/>
+              <a:t>SQL Injection</a:t>
+            </a:r>
+            <a:endParaRPr lang="en-US" dirty="0"/>
+          </a:p>
+        </p:txBody>
+      </p:sp>
+      <p:sp>
+        <p:nvSpPr>
+          <p:cNvPr id="3" name="Content Placeholder 2"/>
+          <p:cNvSpPr>
+            <a:spLocks noGrp="1"/>
+          </p:cNvSpPr>
+          <p:nvPr>
+            <p:ph idx="1"/>
+          </p:nvPr>
+        </p:nvSpPr>
+        <p:spPr/>
+        <p:txBody>
+          <a:bodyPr/>
+          <a:lstStyle/>
+          <a:p>
+            <a:r>
+              <a:rPr lang="en-US" dirty="0" smtClean="0"/>
+              <a:t>Based </a:t>
+            </a:r>
+            <a:r>
+              <a:rPr lang="en-US" dirty="0"/>
+              <a:t>on ""="" is Always </a:t>
+            </a:r>
+            <a:r>
+              <a:rPr lang="en-US" dirty="0" smtClean="0"/>
+              <a:t>True</a:t>
+            </a:r>
+          </a:p>
+          <a:p>
+            <a:r>
+              <a:rPr lang="en-US" dirty="0"/>
+              <a:t>Based on Batched SQL </a:t>
+            </a:r>
+            <a:r>
+              <a:rPr lang="en-US" dirty="0" smtClean="0"/>
+              <a:t>Statements</a:t>
+            </a:r>
+            <a:endParaRPr lang="en-US" dirty="0"/>
+          </a:p>
+          <a:p>
+            <a:endParaRPr lang="en-US" dirty="0"/>
+          </a:p>
+        </p:txBody>
+      </p:sp>
+    </p:spTree>
+    <p:extLst>
+      <p:ext uri="{BB962C8B-B14F-4D97-AF65-F5344CB8AC3E}">
+        <p14:creationId xmlns:p14="http://schemas.microsoft.com/office/powerpoint/2010/main" val="2783447510"/>
+      </p:ext>
+    </p:extLst>
+  </p:cSld>
+  <p:clrMapOvr>
+    <a:masterClrMapping/>
+  </p:clrMapOvr>
+</p:sld>
+</file>
+
+<file path=ppt/slides/slide16.xml><?xml version="1.0" encoding="utf-8"?>
+<p:sld xmlns:a="http://schemas.openxmlformats.org/drawingml/2006/main" xmlns:r="http://schemas.openxmlformats.org/officeDocument/2006/relationships" xmlns:p="http://schemas.openxmlformats.org/presentationml/2006/main">
+  <p:cSld>
+    <p:spTree>
+      <p:nvGrpSpPr>
+        <p:cNvPr id="1" name=""/>
+        <p:cNvGrpSpPr/>
+        <p:nvPr/>
+      </p:nvGrpSpPr>
+      <p:grpSpPr>
+        <a:xfrm>
+          <a:off x="0" y="0"/>
+          <a:ext cx="0" cy="0"/>
+          <a:chOff x="0" y="0"/>
+          <a:chExt cx="0" cy="0"/>
+        </a:xfrm>
+      </p:grpSpPr>
+      <p:sp>
+        <p:nvSpPr>
+          <p:cNvPr id="2" name="Title 1"/>
+          <p:cNvSpPr>
+            <a:spLocks noGrp="1"/>
+          </p:cNvSpPr>
+          <p:nvPr>
+            <p:ph type="title"/>
+          </p:nvPr>
+        </p:nvSpPr>
+        <p:spPr>
+          <a:xfrm>
+            <a:off x="979100" y="3338512"/>
+            <a:ext cx="10515600" cy="1325563"/>
+          </a:xfrm>
+        </p:spPr>
+        <p:txBody>
+          <a:bodyPr/>
+          <a:lstStyle/>
+          <a:p>
+            <a:r>
+              <a:rPr lang="en-US" dirty="0" smtClean="0"/>
+              <a:t>Questions</a:t>
+            </a:r>
+            <a:endParaRPr lang="en-US" dirty="0"/>
+          </a:p>
+        </p:txBody>
+      </p:sp>
+      <p:sp>
+        <p:nvSpPr>
+          <p:cNvPr id="3" name="Content Placeholder 2"/>
+          <p:cNvSpPr>
+            <a:spLocks noGrp="1"/>
+          </p:cNvSpPr>
+          <p:nvPr>
+            <p:ph idx="1"/>
+          </p:nvPr>
+        </p:nvSpPr>
+        <p:spPr/>
+        <p:txBody>
+          <a:bodyPr/>
+          <a:lstStyle/>
+          <a:p>
+            <a:endParaRPr lang="en-US"/>
+          </a:p>
+        </p:txBody>
+      </p:sp>
+    </p:spTree>
+    <p:extLst>
+      <p:ext uri="{BB962C8B-B14F-4D97-AF65-F5344CB8AC3E}">
+        <p14:creationId xmlns:p14="http://schemas.microsoft.com/office/powerpoint/2010/main" val="3955981866"/>
+      </p:ext>
+    </p:extLst>
+  </p:cSld>
+  <p:clrMapOvr>
+    <a:masterClrMapping/>
+  </p:clrMapOvr>
+</p:sld>
+</file>
+
 <file path=ppt/slides/slide2.xml><?xml version="1.0" encoding="utf-8"?>
 <p:sld xmlns:a="http://schemas.openxmlformats.org/drawingml/2006/main" xmlns:r="http://schemas.openxmlformats.org/officeDocument/2006/relationships" xmlns:p="http://schemas.openxmlformats.org/presentationml/2006/main">
   <p:cSld>
